--- a/0 - Resources/JobTips.pptx
+++ b/0 - Resources/JobTips.pptx
@@ -2472,6 +2472,56 @@
         </a:p>
       </dgm:t>
     </dgm:pt>
+    <dgm:pt modelId="{5E83AA80-C6F1-4734-8499-2E2C1965C456}">
+      <dgm:prSet phldrT="[Text]" phldr="0"/>
+      <dgm:spPr>
+        <a:solidFill>
+          <a:schemeClr val="bg1">
+            <a:lumMod val="85000"/>
+          </a:schemeClr>
+        </a:solidFill>
+        <a:ln>
+          <a:solidFill>
+            <a:schemeClr val="bg1">
+              <a:lumMod val="85000"/>
+            </a:schemeClr>
+          </a:solidFill>
+        </a:ln>
+      </dgm:spPr>
+      <dgm:t>
+        <a:bodyPr/>
+        <a:lstStyle/>
+        <a:p>
+          <a:pPr algn="l"/>
+          <a:r>
+            <a:rPr lang="en-US" sz="2000" dirty="0"/>
+            <a:t>Learn a lot about multiple industries, new tech, etc.</a:t>
+          </a:r>
+        </a:p>
+      </dgm:t>
+    </dgm:pt>
+    <dgm:pt modelId="{75C0E0C9-E48A-42A9-948C-38D980E63C78}" type="parTrans" cxnId="{626EDA12-7D92-4CA2-9F74-24237FFAB1F7}">
+      <dgm:prSet/>
+      <dgm:spPr/>
+      <dgm:t>
+        <a:bodyPr/>
+        <a:lstStyle/>
+        <a:p>
+          <a:endParaRPr lang="en-US"/>
+        </a:p>
+      </dgm:t>
+    </dgm:pt>
+    <dgm:pt modelId="{7AB8C22B-B051-4387-BD83-A812BDA7FD5F}" type="sibTrans" cxnId="{626EDA12-7D92-4CA2-9F74-24237FFAB1F7}">
+      <dgm:prSet/>
+      <dgm:spPr/>
+      <dgm:t>
+        <a:bodyPr/>
+        <a:lstStyle/>
+        <a:p>
+          <a:endParaRPr lang="en-US"/>
+        </a:p>
+      </dgm:t>
+    </dgm:pt>
     <dgm:pt modelId="{5F9F8197-CB28-488E-9F6E-3429BDE3A7FB}" type="pres">
       <dgm:prSet presAssocID="{990BBA00-28E9-4E6E-97BF-07E458FAA910}" presName="Name0" presStyleCnt="0">
         <dgm:presLayoutVars>
@@ -2614,6 +2664,7 @@
     <dgm:cxn modelId="{D6202B04-8815-45C0-8190-20F74E6E052F}" srcId="{8F49D5D5-E58D-4A8A-8710-78D26C444EB1}" destId="{7EC4DFF5-074D-44BA-8DE8-E7D2233CDE27}" srcOrd="3" destOrd="0" parTransId="{F2349CF2-7FE2-4785-8B2E-D49607808901}" sibTransId="{D038B0AC-A0C8-4ACA-BB3B-2D1F4CFB306D}"/>
     <dgm:cxn modelId="{99514809-717B-499C-A40A-A7B6A006449E}" srcId="{2AB68734-7A30-4B45-B18C-1F5E6DA4A9C8}" destId="{2CB8D3A1-3A27-4ED0-AA9B-C3696C255DF7}" srcOrd="1" destOrd="0" parTransId="{486DD643-6387-4251-93D0-AAADFBEF511C}" sibTransId="{296E5A22-047C-47AC-8A99-D3A4B6AF8CB8}"/>
     <dgm:cxn modelId="{1F86580C-03A8-4F6A-A977-0F9385CC6C29}" type="presOf" srcId="{61E6AA7E-75E8-443E-BE32-0B204CA680A3}" destId="{539A28A3-0B1E-42F3-A705-9B1132975975}" srcOrd="0" destOrd="0" presId="urn:microsoft.com/office/officeart/2005/8/layout/hList1"/>
+    <dgm:cxn modelId="{626EDA12-7D92-4CA2-9F74-24237FFAB1F7}" srcId="{51B2F595-01CA-46EB-9D55-2A303C2AA9FD}" destId="{5E83AA80-C6F1-4734-8499-2E2C1965C456}" srcOrd="5" destOrd="0" parTransId="{75C0E0C9-E48A-42A9-948C-38D980E63C78}" sibTransId="{7AB8C22B-B051-4387-BD83-A812BDA7FD5F}"/>
     <dgm:cxn modelId="{B5735E1A-12DE-4317-B3B6-F654F3285987}" srcId="{8F49D5D5-E58D-4A8A-8710-78D26C444EB1}" destId="{24B2B862-DC53-44E5-BD24-17623CE6F208}" srcOrd="2" destOrd="0" parTransId="{3D23A2B5-DC7F-42CD-9139-9A4BA905157F}" sibTransId="{0C53ADF3-2C9B-4124-9CA3-8B78973002B6}"/>
     <dgm:cxn modelId="{6A7A7420-C1C3-468B-94F7-2CF488B81A79}" type="presOf" srcId="{E7EB4FAD-749B-41C7-9BE9-F32A21DB2602}" destId="{E4CAC01C-0CB2-4BDE-B606-E79172EE1883}" srcOrd="0" destOrd="0" presId="urn:microsoft.com/office/officeart/2005/8/layout/hList1"/>
     <dgm:cxn modelId="{FE026A21-696F-4F5C-886A-D9F40832B487}" type="presOf" srcId="{B321AF37-A074-4293-8D67-BC33EA95AD63}" destId="{21E58A28-6C75-4D29-BA66-9E774E963425}" srcOrd="0" destOrd="2" presId="urn:microsoft.com/office/officeart/2005/8/layout/hList1"/>
@@ -2643,6 +2694,7 @@
     <dgm:cxn modelId="{A6F7118B-3052-4AFC-9E54-96308C9CC1FA}" type="presOf" srcId="{2CB8D3A1-3A27-4ED0-AA9B-C3696C255DF7}" destId="{21E58A28-6C75-4D29-BA66-9E774E963425}" srcOrd="0" destOrd="1" presId="urn:microsoft.com/office/officeart/2005/8/layout/hList1"/>
     <dgm:cxn modelId="{12D82495-8613-4B9D-8877-CFEEBBE50F62}" srcId="{2AB68734-7A30-4B45-B18C-1F5E6DA4A9C8}" destId="{2D6FA2B8-2CBA-44C4-A019-7D5DFDE78F4A}" srcOrd="3" destOrd="0" parTransId="{7451B3C4-4772-4C1D-B15B-AC757BFB3FCF}" sibTransId="{2C444CB2-8008-4307-8AC3-2E2EDE00588B}"/>
     <dgm:cxn modelId="{D5DE7D96-BBF6-4E66-B79C-CBFF0E36AF63}" type="presOf" srcId="{295D47A1-B1A7-4F65-BE23-AA12F5040B13}" destId="{83C924CE-DA8F-401B-B00D-26FF297151D7}" srcOrd="0" destOrd="3" presId="urn:microsoft.com/office/officeart/2005/8/layout/hList1"/>
+    <dgm:cxn modelId="{76466A99-56B6-4138-A91A-D64BE5E1E3D9}" type="presOf" srcId="{5E83AA80-C6F1-4734-8499-2E2C1965C456}" destId="{19665F91-2F76-4D95-BE8F-651C611CC792}" srcOrd="0" destOrd="5" presId="urn:microsoft.com/office/officeart/2005/8/layout/hList1"/>
     <dgm:cxn modelId="{2267BA9D-EE12-41C1-9163-D0CDF9DE4F73}" srcId="{2AB68734-7A30-4B45-B18C-1F5E6DA4A9C8}" destId="{81D428B4-D7EC-4E7D-90D8-BCE34E283F33}" srcOrd="4" destOrd="0" parTransId="{3C79CAE2-9686-4DA1-9161-190B58470A0E}" sibTransId="{F4D932A4-6537-4FEF-B3EC-5501DE2CE0DE}"/>
     <dgm:cxn modelId="{CC57ED9E-2B55-476F-9A64-2DB05FD84288}" type="presOf" srcId="{C00EE757-5754-4393-9630-1A75F815C493}" destId="{539A28A3-0B1E-42F3-A705-9B1132975975}" srcOrd="0" destOrd="4" presId="urn:microsoft.com/office/officeart/2005/8/layout/hList1"/>
     <dgm:cxn modelId="{E53217A0-9371-40AE-BDC2-2F33D560C487}" type="presOf" srcId="{B33902FB-9D72-4EB8-B89A-1C5A8941DC5A}" destId="{E4CAC01C-0CB2-4BDE-B606-E79172EE1883}" srcOrd="0" destOrd="1" presId="urn:microsoft.com/office/officeart/2005/8/layout/hList1"/>
@@ -2714,7 +2766,7 @@
       </dsp:nvSpPr>
       <dsp:spPr>
         <a:xfrm>
-          <a:off x="5478" y="432052"/>
+          <a:off x="5478" y="433738"/>
           <a:ext cx="2100111" cy="826090"/>
         </a:xfrm>
         <a:prstGeom prst="rect">
@@ -2770,7 +2822,7 @@
         </a:p>
       </dsp:txBody>
       <dsp:txXfrm>
-        <a:off x="5478" y="432052"/>
+        <a:off x="5478" y="433738"/>
         <a:ext cx="2100111" cy="826090"/>
       </dsp:txXfrm>
     </dsp:sp>
@@ -2781,8 +2833,8 @@
       </dsp:nvSpPr>
       <dsp:spPr>
         <a:xfrm>
-          <a:off x="5478" y="1258143"/>
-          <a:ext cx="2100111" cy="3897575"/>
+          <a:off x="5478" y="1259829"/>
+          <a:ext cx="2100111" cy="3894204"/>
         </a:xfrm>
         <a:prstGeom prst="rect">
           <a:avLst/>
@@ -2890,8 +2942,8 @@
         </a:p>
       </dsp:txBody>
       <dsp:txXfrm>
-        <a:off x="5478" y="1258143"/>
-        <a:ext cx="2100111" cy="3897575"/>
+        <a:off x="5478" y="1259829"/>
+        <a:ext cx="2100111" cy="3894204"/>
       </dsp:txXfrm>
     </dsp:sp>
     <dsp:sp modelId="{ABA9BF21-F082-4AB1-85F2-D535D9101BD8}">
@@ -2901,7 +2953,7 @@
       </dsp:nvSpPr>
       <dsp:spPr>
         <a:xfrm>
-          <a:off x="2399605" y="432052"/>
+          <a:off x="2399605" y="433738"/>
           <a:ext cx="2100111" cy="826090"/>
         </a:xfrm>
         <a:prstGeom prst="rect">
@@ -2957,7 +3009,7 @@
         </a:p>
       </dsp:txBody>
       <dsp:txXfrm>
-        <a:off x="2399605" y="432052"/>
+        <a:off x="2399605" y="433738"/>
         <a:ext cx="2100111" cy="826090"/>
       </dsp:txXfrm>
     </dsp:sp>
@@ -2968,8 +3020,8 @@
       </dsp:nvSpPr>
       <dsp:spPr>
         <a:xfrm>
-          <a:off x="2399605" y="1258143"/>
-          <a:ext cx="2100111" cy="3897575"/>
+          <a:off x="2399605" y="1259829"/>
+          <a:ext cx="2100111" cy="3894204"/>
         </a:xfrm>
         <a:prstGeom prst="rect">
           <a:avLst/>
@@ -3095,8 +3147,8 @@
         </a:p>
       </dsp:txBody>
       <dsp:txXfrm>
-        <a:off x="2399605" y="1258143"/>
-        <a:ext cx="2100111" cy="3897575"/>
+        <a:off x="2399605" y="1259829"/>
+        <a:ext cx="2100111" cy="3894204"/>
       </dsp:txXfrm>
     </dsp:sp>
     <dsp:sp modelId="{AA0F5247-BCE6-45A0-AC15-5CBC2568D7DB}">
@@ -3106,7 +3158,7 @@
       </dsp:nvSpPr>
       <dsp:spPr>
         <a:xfrm>
-          <a:off x="4793732" y="432052"/>
+          <a:off x="4793732" y="433738"/>
           <a:ext cx="2100111" cy="826090"/>
         </a:xfrm>
         <a:prstGeom prst="rect">
@@ -3162,7 +3214,7 @@
         </a:p>
       </dsp:txBody>
       <dsp:txXfrm>
-        <a:off x="4793732" y="432052"/>
+        <a:off x="4793732" y="433738"/>
         <a:ext cx="2100111" cy="826090"/>
       </dsp:txXfrm>
     </dsp:sp>
@@ -3173,8 +3225,8 @@
       </dsp:nvSpPr>
       <dsp:spPr>
         <a:xfrm>
-          <a:off x="4793732" y="1258143"/>
-          <a:ext cx="2100111" cy="3897575"/>
+          <a:off x="4793732" y="1259829"/>
+          <a:ext cx="2100111" cy="3894204"/>
         </a:xfrm>
         <a:prstGeom prst="rect">
           <a:avLst/>
@@ -3298,10 +3350,28 @@
             <a:t>Jump from project to project</a:t>
           </a:r>
         </a:p>
+        <a:p>
+          <a:pPr marL="228600" lvl="1" indent="-228600" algn="l" defTabSz="889000">
+            <a:lnSpc>
+              <a:spcPct val="90000"/>
+            </a:lnSpc>
+            <a:spcBef>
+              <a:spcPct val="0"/>
+            </a:spcBef>
+            <a:spcAft>
+              <a:spcPct val="15000"/>
+            </a:spcAft>
+            <a:buChar char="•"/>
+          </a:pPr>
+          <a:r>
+            <a:rPr lang="en-US" sz="2000" kern="1200" dirty="0"/>
+            <a:t>Learn a lot about multiple industries, new tech, etc.</a:t>
+          </a:r>
+        </a:p>
       </dsp:txBody>
       <dsp:txXfrm>
-        <a:off x="4793732" y="1258143"/>
-        <a:ext cx="2100111" cy="3897575"/>
+        <a:off x="4793732" y="1259829"/>
+        <a:ext cx="2100111" cy="3894204"/>
       </dsp:txXfrm>
     </dsp:sp>
     <dsp:sp modelId="{3743F264-8D73-41A8-82F3-A082E6920BE2}">
@@ -3311,7 +3381,7 @@
       </dsp:nvSpPr>
       <dsp:spPr>
         <a:xfrm>
-          <a:off x="7187859" y="432052"/>
+          <a:off x="7187859" y="433738"/>
           <a:ext cx="2100111" cy="826090"/>
         </a:xfrm>
         <a:prstGeom prst="rect">
@@ -3367,7 +3437,7 @@
         </a:p>
       </dsp:txBody>
       <dsp:txXfrm>
-        <a:off x="7187859" y="432052"/>
+        <a:off x="7187859" y="433738"/>
         <a:ext cx="2100111" cy="826090"/>
       </dsp:txXfrm>
     </dsp:sp>
@@ -3378,8 +3448,8 @@
       </dsp:nvSpPr>
       <dsp:spPr>
         <a:xfrm>
-          <a:off x="7187859" y="1258143"/>
-          <a:ext cx="2100111" cy="3897575"/>
+          <a:off x="7187859" y="1259829"/>
+          <a:ext cx="2100111" cy="3894204"/>
         </a:xfrm>
         <a:prstGeom prst="rect">
           <a:avLst/>
@@ -3511,8 +3581,8 @@
         </a:p>
       </dsp:txBody>
       <dsp:txXfrm>
-        <a:off x="7187859" y="1258143"/>
-        <a:ext cx="2100111" cy="3897575"/>
+        <a:off x="7187859" y="1259829"/>
+        <a:ext cx="2100111" cy="3894204"/>
       </dsp:txXfrm>
     </dsp:sp>
     <dsp:sp modelId="{194B1752-351F-4BB1-B03D-89EA41E7EF76}">
@@ -3522,7 +3592,7 @@
       </dsp:nvSpPr>
       <dsp:spPr>
         <a:xfrm>
-          <a:off x="9581986" y="432052"/>
+          <a:off x="9581986" y="433738"/>
           <a:ext cx="2100111" cy="826090"/>
         </a:xfrm>
         <a:prstGeom prst="rect">
@@ -3578,7 +3648,7 @@
         </a:p>
       </dsp:txBody>
       <dsp:txXfrm>
-        <a:off x="9581986" y="432052"/>
+        <a:off x="9581986" y="433738"/>
         <a:ext cx="2100111" cy="826090"/>
       </dsp:txXfrm>
     </dsp:sp>
@@ -3589,8 +3659,8 @@
       </dsp:nvSpPr>
       <dsp:spPr>
         <a:xfrm>
-          <a:off x="9581986" y="1258143"/>
-          <a:ext cx="2100111" cy="3897575"/>
+          <a:off x="9581986" y="1259829"/>
+          <a:ext cx="2100111" cy="3894204"/>
         </a:xfrm>
         <a:prstGeom prst="rect">
           <a:avLst/>
@@ -3713,8 +3783,8 @@
         </a:p>
       </dsp:txBody>
       <dsp:txXfrm>
-        <a:off x="9581986" y="1258143"/>
-        <a:ext cx="2100111" cy="3897575"/>
+        <a:off x="9581986" y="1259829"/>
+        <a:ext cx="2100111" cy="3894204"/>
       </dsp:txXfrm>
     </dsp:sp>
   </dsp:spTree>
@@ -28262,7 +28332,7 @@
           <p:nvPr>
             <p:extLst>
               <p:ext uri="{D42A27DB-BD31-4B8C-83A1-F6EECF244321}">
-                <p14:modId xmlns:p14="http://schemas.microsoft.com/office/powerpoint/2010/main" val="1899865527"/>
+                <p14:modId xmlns:p14="http://schemas.microsoft.com/office/powerpoint/2010/main" val="962176232"/>
               </p:ext>
             </p:extLst>
           </p:nvPr>

--- a/0 - Resources/JobTips.pptx
+++ b/0 - Resources/JobTips.pptx
@@ -111,6 +111,11 @@
       </a:defRPr>
     </a:lvl9pPr>
   </p:defaultTextStyle>
+  <p:extLst>
+    <p:ext uri="{EFAFB233-063F-42B5-8137-9DF3F51BA10A}">
+      <p15:sldGuideLst xmlns:p15="http://schemas.microsoft.com/office/powerpoint/2012/main"/>
+    </p:ext>
+  </p:extLst>
 </p:presentation>
 </file>
 
@@ -28230,7 +28235,7 @@
             <a:pPr algn="ctr"/>
             <a:r>
               <a:rPr lang="en-US" sz="1400" dirty="0"/>
-              <a:t>* Beware of ownership of IP, moonlighting clauses (permission external activities), bonus terms (“must stay X years”).</a:t>
+              <a:t>* Beware of ownership of IP, moonlighting clauses (permission for external activities), bonus terms (“must stay X years”).</a:t>
             </a:r>
           </a:p>
         </p:txBody>
@@ -28597,9 +28602,13 @@
           <a:lstStyle/>
           <a:p>
             <a:pPr algn="ctr"/>
+            <a:endParaRPr lang="en-US" sz="1400" dirty="0"/>
+          </a:p>
+          <a:p>
+            <a:pPr algn="ctr"/>
             <a:r>
               <a:rPr lang="en-US" sz="1400" dirty="0"/>
-              <a:t>It’s best to come in with a higher pay than to wait for raises.</a:t>
+              <a:t>Do your research on the market and negotiate the first offer. (They’re not going to rescind it).</a:t>
             </a:r>
           </a:p>
           <a:p>
@@ -28610,8 +28619,12 @@
             <a:pPr algn="ctr"/>
             <a:r>
               <a:rPr lang="en-US" sz="1400" dirty="0"/>
-              <a:t>Do your research on the market and negotiate the first offer. (They’re not going to rescind it).</a:t>
+              <a:t>It’s best to come in with a higher pay than to wait for raises.</a:t>
             </a:r>
+          </a:p>
+          <a:p>
+            <a:pPr algn="ctr"/>
+            <a:endParaRPr lang="en-US" sz="1400" dirty="0"/>
           </a:p>
         </p:txBody>
       </p:sp>
@@ -29512,6 +29525,452 @@
   <p:clrMapOvr>
     <a:masterClrMapping/>
   </p:clrMapOvr>
+  <p:timing>
+    <p:tnLst>
+      <p:par>
+        <p:cTn id="1" dur="indefinite" restart="never" nodeType="tmRoot">
+          <p:childTnLst>
+            <p:seq concurrent="1" nextAc="seek">
+              <p:cTn id="2" dur="indefinite" nodeType="mainSeq">
+                <p:childTnLst>
+                  <p:par>
+                    <p:cTn id="3" fill="hold">
+                      <p:stCondLst>
+                        <p:cond delay="indefinite"/>
+                      </p:stCondLst>
+                      <p:childTnLst>
+                        <p:par>
+                          <p:cTn id="4" fill="hold">
+                            <p:stCondLst>
+                              <p:cond delay="0"/>
+                            </p:stCondLst>
+                            <p:childTnLst>
+                              <p:par>
+                                <p:cTn id="5" presetID="1" presetClass="entr" presetSubtype="0" fill="hold" grpId="0" nodeType="clickEffect">
+                                  <p:stCondLst>
+                                    <p:cond delay="0"/>
+                                  </p:stCondLst>
+                                  <p:childTnLst>
+                                    <p:set>
+                                      <p:cBhvr>
+                                        <p:cTn id="6" dur="1" fill="hold">
+                                          <p:stCondLst>
+                                            <p:cond delay="0"/>
+                                          </p:stCondLst>
+                                        </p:cTn>
+                                        <p:tgtEl>
+                                          <p:spTgt spid="9"/>
+                                        </p:tgtEl>
+                                        <p:attrNameLst>
+                                          <p:attrName>style.visibility</p:attrName>
+                                        </p:attrNameLst>
+                                      </p:cBhvr>
+                                      <p:to>
+                                        <p:strVal val="visible"/>
+                                      </p:to>
+                                    </p:set>
+                                  </p:childTnLst>
+                                </p:cTn>
+                              </p:par>
+                            </p:childTnLst>
+                          </p:cTn>
+                        </p:par>
+                      </p:childTnLst>
+                    </p:cTn>
+                  </p:par>
+                  <p:par>
+                    <p:cTn id="7" fill="hold">
+                      <p:stCondLst>
+                        <p:cond delay="indefinite"/>
+                      </p:stCondLst>
+                      <p:childTnLst>
+                        <p:par>
+                          <p:cTn id="8" fill="hold">
+                            <p:stCondLst>
+                              <p:cond delay="0"/>
+                            </p:stCondLst>
+                            <p:childTnLst>
+                              <p:par>
+                                <p:cTn id="9" presetID="1" presetClass="entr" presetSubtype="0" fill="hold" grpId="0" nodeType="clickEffect">
+                                  <p:stCondLst>
+                                    <p:cond delay="0"/>
+                                  </p:stCondLst>
+                                  <p:childTnLst>
+                                    <p:set>
+                                      <p:cBhvr>
+                                        <p:cTn id="10" dur="1" fill="hold">
+                                          <p:stCondLst>
+                                            <p:cond delay="0"/>
+                                          </p:stCondLst>
+                                        </p:cTn>
+                                        <p:tgtEl>
+                                          <p:spTgt spid="10"/>
+                                        </p:tgtEl>
+                                        <p:attrNameLst>
+                                          <p:attrName>style.visibility</p:attrName>
+                                        </p:attrNameLst>
+                                      </p:cBhvr>
+                                      <p:to>
+                                        <p:strVal val="visible"/>
+                                      </p:to>
+                                    </p:set>
+                                  </p:childTnLst>
+                                </p:cTn>
+                              </p:par>
+                            </p:childTnLst>
+                          </p:cTn>
+                        </p:par>
+                      </p:childTnLst>
+                    </p:cTn>
+                  </p:par>
+                  <p:par>
+                    <p:cTn id="11" fill="hold">
+                      <p:stCondLst>
+                        <p:cond delay="indefinite"/>
+                      </p:stCondLst>
+                      <p:childTnLst>
+                        <p:par>
+                          <p:cTn id="12" fill="hold">
+                            <p:stCondLst>
+                              <p:cond delay="0"/>
+                            </p:stCondLst>
+                            <p:childTnLst>
+                              <p:par>
+                                <p:cTn id="13" presetID="1" presetClass="entr" presetSubtype="0" fill="hold" grpId="0" nodeType="clickEffect">
+                                  <p:stCondLst>
+                                    <p:cond delay="0"/>
+                                  </p:stCondLst>
+                                  <p:childTnLst>
+                                    <p:set>
+                                      <p:cBhvr>
+                                        <p:cTn id="14" dur="1" fill="hold">
+                                          <p:stCondLst>
+                                            <p:cond delay="0"/>
+                                          </p:stCondLst>
+                                        </p:cTn>
+                                        <p:tgtEl>
+                                          <p:spTgt spid="11"/>
+                                        </p:tgtEl>
+                                        <p:attrNameLst>
+                                          <p:attrName>style.visibility</p:attrName>
+                                        </p:attrNameLst>
+                                      </p:cBhvr>
+                                      <p:to>
+                                        <p:strVal val="visible"/>
+                                      </p:to>
+                                    </p:set>
+                                  </p:childTnLst>
+                                </p:cTn>
+                              </p:par>
+                            </p:childTnLst>
+                          </p:cTn>
+                        </p:par>
+                      </p:childTnLst>
+                    </p:cTn>
+                  </p:par>
+                  <p:par>
+                    <p:cTn id="15" fill="hold">
+                      <p:stCondLst>
+                        <p:cond delay="indefinite"/>
+                      </p:stCondLst>
+                      <p:childTnLst>
+                        <p:par>
+                          <p:cTn id="16" fill="hold">
+                            <p:stCondLst>
+                              <p:cond delay="0"/>
+                            </p:stCondLst>
+                            <p:childTnLst>
+                              <p:par>
+                                <p:cTn id="17" presetID="1" presetClass="entr" presetSubtype="0" fill="hold" grpId="0" nodeType="clickEffect">
+                                  <p:stCondLst>
+                                    <p:cond delay="0"/>
+                                  </p:stCondLst>
+                                  <p:childTnLst>
+                                    <p:set>
+                                      <p:cBhvr>
+                                        <p:cTn id="18" dur="1" fill="hold">
+                                          <p:stCondLst>
+                                            <p:cond delay="0"/>
+                                          </p:stCondLst>
+                                        </p:cTn>
+                                        <p:tgtEl>
+                                          <p:spTgt spid="12"/>
+                                        </p:tgtEl>
+                                        <p:attrNameLst>
+                                          <p:attrName>style.visibility</p:attrName>
+                                        </p:attrNameLst>
+                                      </p:cBhvr>
+                                      <p:to>
+                                        <p:strVal val="visible"/>
+                                      </p:to>
+                                    </p:set>
+                                  </p:childTnLst>
+                                </p:cTn>
+                              </p:par>
+                            </p:childTnLst>
+                          </p:cTn>
+                        </p:par>
+                      </p:childTnLst>
+                    </p:cTn>
+                  </p:par>
+                  <p:par>
+                    <p:cTn id="19" fill="hold">
+                      <p:stCondLst>
+                        <p:cond delay="indefinite"/>
+                      </p:stCondLst>
+                      <p:childTnLst>
+                        <p:par>
+                          <p:cTn id="20" fill="hold">
+                            <p:stCondLst>
+                              <p:cond delay="0"/>
+                            </p:stCondLst>
+                            <p:childTnLst>
+                              <p:par>
+                                <p:cTn id="21" presetID="1" presetClass="entr" presetSubtype="0" fill="hold" grpId="0" nodeType="clickEffect">
+                                  <p:stCondLst>
+                                    <p:cond delay="0"/>
+                                  </p:stCondLst>
+                                  <p:childTnLst>
+                                    <p:set>
+                                      <p:cBhvr>
+                                        <p:cTn id="22" dur="1" fill="hold">
+                                          <p:stCondLst>
+                                            <p:cond delay="0"/>
+                                          </p:stCondLst>
+                                        </p:cTn>
+                                        <p:tgtEl>
+                                          <p:spTgt spid="16"/>
+                                        </p:tgtEl>
+                                        <p:attrNameLst>
+                                          <p:attrName>style.visibility</p:attrName>
+                                        </p:attrNameLst>
+                                      </p:cBhvr>
+                                      <p:to>
+                                        <p:strVal val="visible"/>
+                                      </p:to>
+                                    </p:set>
+                                  </p:childTnLst>
+                                </p:cTn>
+                              </p:par>
+                            </p:childTnLst>
+                          </p:cTn>
+                        </p:par>
+                      </p:childTnLst>
+                    </p:cTn>
+                  </p:par>
+                  <p:par>
+                    <p:cTn id="23" fill="hold">
+                      <p:stCondLst>
+                        <p:cond delay="indefinite"/>
+                      </p:stCondLst>
+                      <p:childTnLst>
+                        <p:par>
+                          <p:cTn id="24" fill="hold">
+                            <p:stCondLst>
+                              <p:cond delay="0"/>
+                            </p:stCondLst>
+                            <p:childTnLst>
+                              <p:par>
+                                <p:cTn id="25" presetID="1" presetClass="entr" presetSubtype="0" fill="hold" grpId="0" nodeType="clickEffect">
+                                  <p:stCondLst>
+                                    <p:cond delay="0"/>
+                                  </p:stCondLst>
+                                  <p:childTnLst>
+                                    <p:set>
+                                      <p:cBhvr>
+                                        <p:cTn id="26" dur="1" fill="hold">
+                                          <p:stCondLst>
+                                            <p:cond delay="0"/>
+                                          </p:stCondLst>
+                                        </p:cTn>
+                                        <p:tgtEl>
+                                          <p:spTgt spid="17"/>
+                                        </p:tgtEl>
+                                        <p:attrNameLst>
+                                          <p:attrName>style.visibility</p:attrName>
+                                        </p:attrNameLst>
+                                      </p:cBhvr>
+                                      <p:to>
+                                        <p:strVal val="visible"/>
+                                      </p:to>
+                                    </p:set>
+                                  </p:childTnLst>
+                                </p:cTn>
+                              </p:par>
+                            </p:childTnLst>
+                          </p:cTn>
+                        </p:par>
+                      </p:childTnLst>
+                    </p:cTn>
+                  </p:par>
+                  <p:par>
+                    <p:cTn id="27" fill="hold">
+                      <p:stCondLst>
+                        <p:cond delay="indefinite"/>
+                      </p:stCondLst>
+                      <p:childTnLst>
+                        <p:par>
+                          <p:cTn id="28" fill="hold">
+                            <p:stCondLst>
+                              <p:cond delay="0"/>
+                            </p:stCondLst>
+                            <p:childTnLst>
+                              <p:par>
+                                <p:cTn id="29" presetID="1" presetClass="entr" presetSubtype="0" fill="hold" grpId="0" nodeType="clickEffect">
+                                  <p:stCondLst>
+                                    <p:cond delay="0"/>
+                                  </p:stCondLst>
+                                  <p:childTnLst>
+                                    <p:set>
+                                      <p:cBhvr>
+                                        <p:cTn id="30" dur="1" fill="hold">
+                                          <p:stCondLst>
+                                            <p:cond delay="0"/>
+                                          </p:stCondLst>
+                                        </p:cTn>
+                                        <p:tgtEl>
+                                          <p:spTgt spid="18"/>
+                                        </p:tgtEl>
+                                        <p:attrNameLst>
+                                          <p:attrName>style.visibility</p:attrName>
+                                        </p:attrNameLst>
+                                      </p:cBhvr>
+                                      <p:to>
+                                        <p:strVal val="visible"/>
+                                      </p:to>
+                                    </p:set>
+                                  </p:childTnLst>
+                                </p:cTn>
+                              </p:par>
+                            </p:childTnLst>
+                          </p:cTn>
+                        </p:par>
+                      </p:childTnLst>
+                    </p:cTn>
+                  </p:par>
+                  <p:par>
+                    <p:cTn id="31" fill="hold">
+                      <p:stCondLst>
+                        <p:cond delay="indefinite"/>
+                      </p:stCondLst>
+                      <p:childTnLst>
+                        <p:par>
+                          <p:cTn id="32" fill="hold">
+                            <p:stCondLst>
+                              <p:cond delay="0"/>
+                            </p:stCondLst>
+                            <p:childTnLst>
+                              <p:par>
+                                <p:cTn id="33" presetID="1" presetClass="entr" presetSubtype="0" fill="hold" grpId="0" nodeType="clickEffect">
+                                  <p:stCondLst>
+                                    <p:cond delay="0"/>
+                                  </p:stCondLst>
+                                  <p:childTnLst>
+                                    <p:set>
+                                      <p:cBhvr>
+                                        <p:cTn id="34" dur="1" fill="hold">
+                                          <p:stCondLst>
+                                            <p:cond delay="0"/>
+                                          </p:stCondLst>
+                                        </p:cTn>
+                                        <p:tgtEl>
+                                          <p:spTgt spid="19"/>
+                                        </p:tgtEl>
+                                        <p:attrNameLst>
+                                          <p:attrName>style.visibility</p:attrName>
+                                        </p:attrNameLst>
+                                      </p:cBhvr>
+                                      <p:to>
+                                        <p:strVal val="visible"/>
+                                      </p:to>
+                                    </p:set>
+                                  </p:childTnLst>
+                                </p:cTn>
+                              </p:par>
+                            </p:childTnLst>
+                          </p:cTn>
+                        </p:par>
+                      </p:childTnLst>
+                    </p:cTn>
+                  </p:par>
+                  <p:par>
+                    <p:cTn id="35" fill="hold">
+                      <p:stCondLst>
+                        <p:cond delay="indefinite"/>
+                      </p:stCondLst>
+                      <p:childTnLst>
+                        <p:par>
+                          <p:cTn id="36" fill="hold">
+                            <p:stCondLst>
+                              <p:cond delay="0"/>
+                            </p:stCondLst>
+                            <p:childTnLst>
+                              <p:par>
+                                <p:cTn id="37" presetID="1" presetClass="entr" presetSubtype="0" fill="hold" grpId="0" nodeType="clickEffect">
+                                  <p:stCondLst>
+                                    <p:cond delay="0"/>
+                                  </p:stCondLst>
+                                  <p:childTnLst>
+                                    <p:set>
+                                      <p:cBhvr>
+                                        <p:cTn id="38" dur="1" fill="hold">
+                                          <p:stCondLst>
+                                            <p:cond delay="0"/>
+                                          </p:stCondLst>
+                                        </p:cTn>
+                                        <p:tgtEl>
+                                          <p:spTgt spid="20"/>
+                                        </p:tgtEl>
+                                        <p:attrNameLst>
+                                          <p:attrName>style.visibility</p:attrName>
+                                        </p:attrNameLst>
+                                      </p:cBhvr>
+                                      <p:to>
+                                        <p:strVal val="visible"/>
+                                      </p:to>
+                                    </p:set>
+                                  </p:childTnLst>
+                                </p:cTn>
+                              </p:par>
+                            </p:childTnLst>
+                          </p:cTn>
+                        </p:par>
+                      </p:childTnLst>
+                    </p:cTn>
+                  </p:par>
+                </p:childTnLst>
+              </p:cTn>
+              <p:prevCondLst>
+                <p:cond evt="onPrev" delay="0">
+                  <p:tgtEl>
+                    <p:sldTgt/>
+                  </p:tgtEl>
+                </p:cond>
+              </p:prevCondLst>
+              <p:nextCondLst>
+                <p:cond evt="onNext" delay="0">
+                  <p:tgtEl>
+                    <p:sldTgt/>
+                  </p:tgtEl>
+                </p:cond>
+              </p:nextCondLst>
+            </p:seq>
+          </p:childTnLst>
+        </p:cTn>
+      </p:par>
+    </p:tnLst>
+    <p:bldLst>
+      <p:bldP spid="9" grpId="0" animBg="1"/>
+      <p:bldP spid="10" grpId="0" animBg="1"/>
+      <p:bldP spid="11" grpId="0" animBg="1"/>
+      <p:bldP spid="12" grpId="0" animBg="1"/>
+      <p:bldP spid="16" grpId="0" animBg="1"/>
+      <p:bldP spid="17" grpId="0" animBg="1"/>
+      <p:bldP spid="18" grpId="0" animBg="1"/>
+      <p:bldP spid="19" grpId="0" animBg="1"/>
+      <p:bldP spid="20" grpId="0" animBg="1"/>
+    </p:bldLst>
+  </p:timing>
 </p:sld>
 </file>
 
